--- a/docs/slides/ResetBudget.pptx
+++ b/docs/slides/ResetBudget.pptx
@@ -129,7 +129,7 @@
 <file path=ppt/revisionInfo.xml><?xml version="1.0" encoding="utf-8"?>
 <p1510:revInfo xmlns:a="http://schemas.openxmlformats.org/drawingml/2006/main" xmlns:r="http://schemas.openxmlformats.org/officeDocument/2006/relationships" xmlns:p1510="http://schemas.microsoft.com/office/powerpoint/2015/10/main">
   <p1510:revLst>
-    <p1510:client id="{063B9FE9-2ED3-4563-A0E4-AB1A1E4D34FB}" v="24" dt="2020-03-23T07:24:27.431"/>
+    <p1510:client id="{D93F9732-9DEA-4C0F-BFF6-15552F122CBF}" v="2" dt="2020-04-04T04:01:52.872"/>
   </p1510:revLst>
 </p1510:revInfo>
 </file>
@@ -272,6 +272,166 @@
       </pc:sldChg>
     </pc:docChg>
   </pc:docChgLst>
+  <pc:docChgLst>
+    <pc:chgData name="Shannon Wong" userId="8c83f3d3550a5322" providerId="LiveId" clId="{D93F9732-9DEA-4C0F-BFF6-15552F122CBF}"/>
+    <pc:docChg chg="custSel modSld">
+      <pc:chgData name="Shannon Wong" userId="8c83f3d3550a5322" providerId="LiveId" clId="{D93F9732-9DEA-4C0F-BFF6-15552F122CBF}" dt="2020-04-04T04:02:41.280" v="41" actId="14100"/>
+      <pc:docMkLst>
+        <pc:docMk/>
+      </pc:docMkLst>
+      <pc:sldChg chg="addSp delSp modSp delAnim modAnim">
+        <pc:chgData name="Shannon Wong" userId="8c83f3d3550a5322" providerId="LiveId" clId="{D93F9732-9DEA-4C0F-BFF6-15552F122CBF}" dt="2020-04-04T04:02:41.280" v="41" actId="14100"/>
+        <pc:sldMkLst>
+          <pc:docMk/>
+          <pc:sldMk cId="3228498101" sldId="269"/>
+        </pc:sldMkLst>
+        <pc:spChg chg="mod">
+          <ac:chgData name="Shannon Wong" userId="8c83f3d3550a5322" providerId="LiveId" clId="{D93F9732-9DEA-4C0F-BFF6-15552F122CBF}" dt="2020-04-04T04:02:22.518" v="39" actId="14100"/>
+          <ac:spMkLst>
+            <pc:docMk/>
+            <pc:sldMk cId="3228498101" sldId="269"/>
+            <ac:spMk id="5" creationId="{00000000-0000-0000-0000-000000000000}"/>
+          </ac:spMkLst>
+        </pc:spChg>
+        <pc:spChg chg="del">
+          <ac:chgData name="Shannon Wong" userId="8c83f3d3550a5322" providerId="LiveId" clId="{D93F9732-9DEA-4C0F-BFF6-15552F122CBF}" dt="2020-04-04T04:00:27.765" v="0" actId="478"/>
+          <ac:spMkLst>
+            <pc:docMk/>
+            <pc:sldMk cId="3228498101" sldId="269"/>
+            <ac:spMk id="17" creationId="{00000000-0000-0000-0000-000000000000}"/>
+          </ac:spMkLst>
+        </pc:spChg>
+        <pc:spChg chg="mod">
+          <ac:chgData name="Shannon Wong" userId="8c83f3d3550a5322" providerId="LiveId" clId="{D93F9732-9DEA-4C0F-BFF6-15552F122CBF}" dt="2020-04-04T04:02:41.280" v="41" actId="14100"/>
+          <ac:spMkLst>
+            <pc:docMk/>
+            <pc:sldMk cId="3228498101" sldId="269"/>
+            <ac:spMk id="19" creationId="{00000000-0000-0000-0000-000000000000}"/>
+          </ac:spMkLst>
+        </pc:spChg>
+        <pc:spChg chg="mod">
+          <ac:chgData name="Shannon Wong" userId="8c83f3d3550a5322" providerId="LiveId" clId="{D93F9732-9DEA-4C0F-BFF6-15552F122CBF}" dt="2020-04-04T04:00:59.421" v="11" actId="14100"/>
+          <ac:spMkLst>
+            <pc:docMk/>
+            <pc:sldMk cId="3228498101" sldId="269"/>
+            <ac:spMk id="20" creationId="{00000000-0000-0000-0000-000000000000}"/>
+          </ac:spMkLst>
+        </pc:spChg>
+        <pc:spChg chg="mod">
+          <ac:chgData name="Shannon Wong" userId="8c83f3d3550a5322" providerId="LiveId" clId="{D93F9732-9DEA-4C0F-BFF6-15552F122CBF}" dt="2020-04-04T04:01:11.372" v="15" actId="14100"/>
+          <ac:spMkLst>
+            <pc:docMk/>
+            <pc:sldMk cId="3228498101" sldId="269"/>
+            <ac:spMk id="24" creationId="{00000000-0000-0000-0000-000000000000}"/>
+          </ac:spMkLst>
+        </pc:spChg>
+        <pc:spChg chg="add mod">
+          <ac:chgData name="Shannon Wong" userId="8c83f3d3550a5322" providerId="LiveId" clId="{D93F9732-9DEA-4C0F-BFF6-15552F122CBF}" dt="2020-04-04T04:01:50.975" v="29" actId="693"/>
+          <ac:spMkLst>
+            <pc:docMk/>
+            <pc:sldMk cId="3228498101" sldId="269"/>
+            <ac:spMk id="30" creationId="{3ECFBDF3-F943-4F25-AA78-E3C0A464D088}"/>
+          </ac:spMkLst>
+        </pc:spChg>
+        <pc:spChg chg="add mod">
+          <ac:chgData name="Shannon Wong" userId="8c83f3d3550a5322" providerId="LiveId" clId="{D93F9732-9DEA-4C0F-BFF6-15552F122CBF}" dt="2020-04-04T04:02:08.734" v="36" actId="14100"/>
+          <ac:spMkLst>
+            <pc:docMk/>
+            <pc:sldMk cId="3228498101" sldId="269"/>
+            <ac:spMk id="31" creationId="{DB8526FB-64E0-4199-9EA6-6CD57728BC18}"/>
+          </ac:spMkLst>
+        </pc:spChg>
+        <pc:spChg chg="mod">
+          <ac:chgData name="Shannon Wong" userId="8c83f3d3550a5322" providerId="LiveId" clId="{D93F9732-9DEA-4C0F-BFF6-15552F122CBF}" dt="2020-04-04T04:02:25.584" v="40" actId="14100"/>
+          <ac:spMkLst>
+            <pc:docMk/>
+            <pc:sldMk cId="3228498101" sldId="269"/>
+            <ac:spMk id="33" creationId="{00000000-0000-0000-0000-000000000000}"/>
+          </ac:spMkLst>
+        </pc:spChg>
+        <pc:spChg chg="mod">
+          <ac:chgData name="Shannon Wong" userId="8c83f3d3550a5322" providerId="LiveId" clId="{D93F9732-9DEA-4C0F-BFF6-15552F122CBF}" dt="2020-04-04T04:00:56.643" v="10" actId="14100"/>
+          <ac:spMkLst>
+            <pc:docMk/>
+            <pc:sldMk cId="3228498101" sldId="269"/>
+            <ac:spMk id="34" creationId="{00000000-0000-0000-0000-000000000000}"/>
+          </ac:spMkLst>
+        </pc:spChg>
+        <pc:spChg chg="del">
+          <ac:chgData name="Shannon Wong" userId="8c83f3d3550a5322" providerId="LiveId" clId="{D93F9732-9DEA-4C0F-BFF6-15552F122CBF}" dt="2020-04-04T04:00:29.648" v="2" actId="478"/>
+          <ac:spMkLst>
+            <pc:docMk/>
+            <pc:sldMk cId="3228498101" sldId="269"/>
+            <ac:spMk id="40" creationId="{00000000-0000-0000-0000-000000000000}"/>
+          </ac:spMkLst>
+        </pc:spChg>
+        <pc:spChg chg="del">
+          <ac:chgData name="Shannon Wong" userId="8c83f3d3550a5322" providerId="LiveId" clId="{D93F9732-9DEA-4C0F-BFF6-15552F122CBF}" dt="2020-04-04T04:00:28.744" v="1" actId="478"/>
+          <ac:spMkLst>
+            <pc:docMk/>
+            <pc:sldMk cId="3228498101" sldId="269"/>
+            <ac:spMk id="44" creationId="{1ABAE2EE-0C6F-40C9-9F83-C6E45146189B}"/>
+          </ac:spMkLst>
+        </pc:spChg>
+        <pc:spChg chg="mod">
+          <ac:chgData name="Shannon Wong" userId="8c83f3d3550a5322" providerId="LiveId" clId="{D93F9732-9DEA-4C0F-BFF6-15552F122CBF}" dt="2020-04-04T04:01:28.380" v="20" actId="14100"/>
+          <ac:spMkLst>
+            <pc:docMk/>
+            <pc:sldMk cId="3228498101" sldId="269"/>
+            <ac:spMk id="45" creationId="{0EB24DA8-2498-4853-AED4-3458A81C456A}"/>
+          </ac:spMkLst>
+        </pc:spChg>
+        <pc:spChg chg="mod">
+          <ac:chgData name="Shannon Wong" userId="8c83f3d3550a5322" providerId="LiveId" clId="{D93F9732-9DEA-4C0F-BFF6-15552F122CBF}" dt="2020-04-04T04:01:34.451" v="22" actId="14100"/>
+          <ac:spMkLst>
+            <pc:docMk/>
+            <pc:sldMk cId="3228498101" sldId="269"/>
+            <ac:spMk id="46" creationId="{9BC66A45-C94A-4E62-8981-39EC5DACDD6D}"/>
+          </ac:spMkLst>
+        </pc:spChg>
+        <pc:spChg chg="mod">
+          <ac:chgData name="Shannon Wong" userId="8c83f3d3550a5322" providerId="LiveId" clId="{D93F9732-9DEA-4C0F-BFF6-15552F122CBF}" dt="2020-04-04T04:01:15.292" v="16" actId="1076"/>
+          <ac:spMkLst>
+            <pc:docMk/>
+            <pc:sldMk cId="3228498101" sldId="269"/>
+            <ac:spMk id="47" creationId="{342B431E-151F-4A55-A1AE-57F6FE56D1EF}"/>
+          </ac:spMkLst>
+        </pc:spChg>
+        <pc:spChg chg="mod">
+          <ac:chgData name="Shannon Wong" userId="8c83f3d3550a5322" providerId="LiveId" clId="{D93F9732-9DEA-4C0F-BFF6-15552F122CBF}" dt="2020-04-04T04:01:01.980" v="12" actId="14100"/>
+          <ac:spMkLst>
+            <pc:docMk/>
+            <pc:sldMk cId="3228498101" sldId="269"/>
+            <ac:spMk id="48" creationId="{5278BFBC-6FA4-432C-994E-8DD2A55ED046}"/>
+          </ac:spMkLst>
+        </pc:spChg>
+        <pc:spChg chg="mod">
+          <ac:chgData name="Shannon Wong" userId="8c83f3d3550a5322" providerId="LiveId" clId="{D93F9732-9DEA-4C0F-BFF6-15552F122CBF}" dt="2020-04-04T04:01:25.167" v="19" actId="1076"/>
+          <ac:spMkLst>
+            <pc:docMk/>
+            <pc:sldMk cId="3228498101" sldId="269"/>
+            <ac:spMk id="51" creationId="{34020A70-184B-4A57-816D-CCE686742C10}"/>
+          </ac:spMkLst>
+        </pc:spChg>
+        <pc:spChg chg="mod">
+          <ac:chgData name="Shannon Wong" userId="8c83f3d3550a5322" providerId="LiveId" clId="{D93F9732-9DEA-4C0F-BFF6-15552F122CBF}" dt="2020-04-04T04:02:13.018" v="37" actId="14100"/>
+          <ac:spMkLst>
+            <pc:docMk/>
+            <pc:sldMk cId="3228498101" sldId="269"/>
+            <ac:spMk id="52" creationId="{C30F3633-BE5D-441D-9C87-D00C0DFC3E6D}"/>
+          </ac:spMkLst>
+        </pc:spChg>
+        <pc:spChg chg="del">
+          <ac:chgData name="Shannon Wong" userId="8c83f3d3550a5322" providerId="LiveId" clId="{D93F9732-9DEA-4C0F-BFF6-15552F122CBF}" dt="2020-04-04T04:00:30.473" v="3" actId="478"/>
+          <ac:spMkLst>
+            <pc:docMk/>
+            <pc:sldMk cId="3228498101" sldId="269"/>
+            <ac:spMk id="53" creationId="{E7397DF1-A503-43B8-9D46-710440F45D61}"/>
+          </ac:spMkLst>
+        </pc:spChg>
+      </pc:sldChg>
+    </pc:docChg>
+  </pc:docChgLst>
 </pc:chgInfo>
 </file>
 
@@ -357,7 +517,7 @@
           <a:p>
             <a:fld id="{9629A0FB-7277-41B0-BEC2-EE35F8B0CE39}" type="datetimeFigureOut">
               <a:rPr lang="en-SG" smtClean="0"/>
-              <a:t>23/3/2020</a:t>
+              <a:t>4/4/2020</a:t>
             </a:fld>
             <a:endParaRPr lang="en-SG"/>
           </a:p>
@@ -3979,8 +4139,8 @@
         </p:nvSpPr>
         <p:spPr bwMode="auto">
           <a:xfrm>
-            <a:off x="728768" y="1440950"/>
-            <a:ext cx="10115" cy="3904336"/>
+            <a:off x="728767" y="1440949"/>
+            <a:ext cx="0" cy="4197819"/>
           </a:xfrm>
           <a:prstGeom prst="line">
             <a:avLst/>
@@ -4096,62 +4256,6 @@
       </p:sp>
       <p:sp>
         <p:nvSpPr>
-          <p:cNvPr id="17" name="Rectangle 16"/>
-          <p:cNvSpPr/>
-          <p:nvPr/>
-        </p:nvSpPr>
-        <p:spPr>
-          <a:xfrm>
-            <a:off x="603890" y="1721228"/>
-            <a:ext cx="225619" cy="3348432"/>
-          </a:xfrm>
-          <a:prstGeom prst="rect">
-            <a:avLst/>
-          </a:prstGeom>
-          <a:solidFill>
-            <a:schemeClr val="accent2">
-              <a:lumMod val="40000"/>
-              <a:lumOff val="60000"/>
-            </a:schemeClr>
-          </a:solidFill>
-          <a:ln>
-            <a:solidFill>
-              <a:schemeClr val="accent2">
-                <a:lumMod val="60000"/>
-                <a:lumOff val="40000"/>
-              </a:schemeClr>
-            </a:solidFill>
-          </a:ln>
-        </p:spPr>
-        <p:style>
-          <a:lnRef idx="2">
-            <a:schemeClr val="accent4"/>
-          </a:lnRef>
-          <a:fillRef idx="1">
-            <a:schemeClr val="lt1"/>
-          </a:fillRef>
-          <a:effectRef idx="0">
-            <a:schemeClr val="accent4"/>
-          </a:effectRef>
-          <a:fontRef idx="minor">
-            <a:schemeClr val="dk1"/>
-          </a:fontRef>
-        </p:style>
-        <p:txBody>
-          <a:bodyPr rtlCol="0" anchor="ctr"/>
-          <a:lstStyle/>
-          <a:p>
-            <a:pPr algn="ctr" defTabSz="872733"/>
-            <a:endParaRPr lang="en-US" sz="1500">
-              <a:solidFill>
-                <a:prstClr val="black"/>
-              </a:solidFill>
-            </a:endParaRPr>
-          </a:p>
-        </p:txBody>
-      </p:sp>
-      <p:sp>
-        <p:nvSpPr>
           <p:cNvPr id="18" name="Text Box 11"/>
           <p:cNvSpPr txBox="1">
             <a:spLocks noChangeArrowheads="1"/>
@@ -4233,7 +4337,7 @@
         <p:spPr bwMode="auto">
           <a:xfrm flipH="1">
             <a:off x="3018095" y="2137789"/>
-            <a:ext cx="8589" cy="1590924"/>
+            <a:ext cx="0" cy="1590924"/>
           </a:xfrm>
           <a:prstGeom prst="line">
             <a:avLst/>
@@ -4286,8 +4390,8 @@
         </p:nvSpPr>
         <p:spPr bwMode="auto">
           <a:xfrm flipV="1">
-            <a:off x="823868" y="1898263"/>
-            <a:ext cx="1747815" cy="12191"/>
+            <a:off x="728768" y="1898262"/>
+            <a:ext cx="1842915" cy="0"/>
           </a:xfrm>
           <a:prstGeom prst="line">
             <a:avLst/>
@@ -4372,9 +4476,9 @@
           <p:nvPr/>
         </p:nvSpPr>
         <p:spPr bwMode="auto">
-          <a:xfrm flipV="1">
-            <a:off x="3194466" y="3112677"/>
-            <a:ext cx="1954319" cy="8543"/>
+          <a:xfrm>
+            <a:off x="3018092" y="3094817"/>
+            <a:ext cx="2130694" cy="0"/>
           </a:xfrm>
           <a:prstGeom prst="line">
             <a:avLst/>
@@ -4520,7 +4624,7 @@
         <p:spPr bwMode="auto">
           <a:xfrm flipH="1">
             <a:off x="6053498" y="3383184"/>
-            <a:ext cx="4560" cy="1893221"/>
+            <a:ext cx="0" cy="1893221"/>
           </a:xfrm>
           <a:prstGeom prst="line">
             <a:avLst/>
@@ -4572,9 +4676,9 @@
           <p:nvPr/>
         </p:nvSpPr>
         <p:spPr bwMode="auto">
-          <a:xfrm flipV="1">
-            <a:off x="863760" y="2696243"/>
-            <a:ext cx="2040971" cy="1"/>
+          <a:xfrm>
+            <a:off x="728768" y="2691919"/>
+            <a:ext cx="2289323" cy="0"/>
           </a:xfrm>
           <a:prstGeom prst="line">
             <a:avLst/>
@@ -4643,61 +4747,6 @@
               <a:rPr lang="en-US" sz="1500" i="1" dirty="0"/>
               <a:t>Parser()</a:t>
             </a:r>
-          </a:p>
-        </p:txBody>
-      </p:sp>
-      <p:sp>
-        <p:nvSpPr>
-          <p:cNvPr id="40" name="Rectangle 39"/>
-          <p:cNvSpPr/>
-          <p:nvPr/>
-        </p:nvSpPr>
-        <p:spPr>
-          <a:xfrm>
-            <a:off x="5932378" y="3982262"/>
-            <a:ext cx="251361" cy="878804"/>
-          </a:xfrm>
-          <a:prstGeom prst="rect">
-            <a:avLst/>
-          </a:prstGeom>
-          <a:solidFill>
-            <a:schemeClr val="accent3">
-              <a:lumMod val="20000"/>
-              <a:lumOff val="80000"/>
-            </a:schemeClr>
-          </a:solidFill>
-          <a:ln>
-            <a:solidFill>
-              <a:schemeClr val="accent3">
-                <a:lumMod val="75000"/>
-              </a:schemeClr>
-            </a:solidFill>
-          </a:ln>
-        </p:spPr>
-        <p:style>
-          <a:lnRef idx="2">
-            <a:schemeClr val="accent4"/>
-          </a:lnRef>
-          <a:fillRef idx="1">
-            <a:schemeClr val="lt1"/>
-          </a:fillRef>
-          <a:effectRef idx="0">
-            <a:schemeClr val="accent4"/>
-          </a:effectRef>
-          <a:fontRef idx="minor">
-            <a:schemeClr val="dk1"/>
-          </a:fontRef>
-        </p:style>
-        <p:txBody>
-          <a:bodyPr rtlCol="0" anchor="ctr"/>
-          <a:lstStyle/>
-          <a:p>
-            <a:pPr algn="ctr" defTabSz="872733"/>
-            <a:endParaRPr lang="en-US" sz="1500">
-              <a:solidFill>
-                <a:prstClr val="black"/>
-              </a:solidFill>
-            </a:endParaRPr>
           </a:p>
         </p:txBody>
       </p:sp>
@@ -4860,67 +4909,6 @@
       </p:sp>
       <p:sp>
         <p:nvSpPr>
-          <p:cNvPr id="44" name="Rectangle 43">
-            <a:extLst>
-              <a:ext uri="{FF2B5EF4-FFF2-40B4-BE49-F238E27FC236}">
-                <a16:creationId xmlns:a16="http://schemas.microsoft.com/office/drawing/2014/main" id="{1ABAE2EE-0C6F-40C9-9F83-C6E45146189B}"/>
-              </a:ext>
-            </a:extLst>
-          </p:cNvPr>
-          <p:cNvSpPr/>
-          <p:nvPr/>
-        </p:nvSpPr>
-        <p:spPr>
-          <a:xfrm>
-            <a:off x="2888219" y="2698465"/>
-            <a:ext cx="286905" cy="893938"/>
-          </a:xfrm>
-          <a:prstGeom prst="rect">
-            <a:avLst/>
-          </a:prstGeom>
-          <a:solidFill>
-            <a:schemeClr val="accent4">
-              <a:lumMod val="40000"/>
-              <a:lumOff val="60000"/>
-            </a:schemeClr>
-          </a:solidFill>
-          <a:ln>
-            <a:solidFill>
-              <a:schemeClr val="accent4">
-                <a:lumMod val="75000"/>
-              </a:schemeClr>
-            </a:solidFill>
-          </a:ln>
-        </p:spPr>
-        <p:style>
-          <a:lnRef idx="2">
-            <a:schemeClr val="accent4"/>
-          </a:lnRef>
-          <a:fillRef idx="1">
-            <a:schemeClr val="lt1"/>
-          </a:fillRef>
-          <a:effectRef idx="0">
-            <a:schemeClr val="accent4"/>
-          </a:effectRef>
-          <a:fontRef idx="minor">
-            <a:schemeClr val="dk1"/>
-          </a:fontRef>
-        </p:style>
-        <p:txBody>
-          <a:bodyPr rtlCol="0" anchor="ctr"/>
-          <a:lstStyle/>
-          <a:p>
-            <a:pPr algn="ctr" defTabSz="872733"/>
-            <a:endParaRPr lang="en-US" sz="1500">
-              <a:solidFill>
-                <a:prstClr val="black"/>
-              </a:solidFill>
-            </a:endParaRPr>
-          </a:p>
-        </p:txBody>
-      </p:sp>
-      <p:sp>
-        <p:nvSpPr>
           <p:cNvPr id="45" name="Line 15">
             <a:extLst>
               <a:ext uri="{FF2B5EF4-FFF2-40B4-BE49-F238E27FC236}">
@@ -4934,9 +4922,9 @@
           <p:nvPr/>
         </p:nvSpPr>
         <p:spPr bwMode="auto">
-          <a:xfrm>
-            <a:off x="863760" y="3984166"/>
-            <a:ext cx="5050739" cy="16958"/>
+          <a:xfrm flipV="1">
+            <a:off x="728768" y="4066886"/>
+            <a:ext cx="5315610" cy="0"/>
           </a:xfrm>
           <a:prstGeom prst="line">
             <a:avLst/>
@@ -4981,9 +4969,9 @@
           <p:nvPr/>
         </p:nvSpPr>
         <p:spPr bwMode="auto">
-          <a:xfrm>
-            <a:off x="6180352" y="4274530"/>
-            <a:ext cx="1823647" cy="10465"/>
+          <a:xfrm flipV="1">
+            <a:off x="6053498" y="4300673"/>
+            <a:ext cx="2098815" cy="0"/>
           </a:xfrm>
           <a:prstGeom prst="line">
             <a:avLst/>
@@ -5029,7 +5017,7 @@
         </p:nvSpPr>
         <p:spPr bwMode="auto">
           <a:xfrm>
-            <a:off x="3124200" y="2801035"/>
+            <a:off x="3049414" y="2760176"/>
             <a:ext cx="2075383" cy="320185"/>
           </a:xfrm>
           <a:prstGeom prst="rect">
@@ -5083,8 +5071,8 @@
         </p:nvSpPr>
         <p:spPr bwMode="auto">
           <a:xfrm flipH="1">
-            <a:off x="852246" y="3573169"/>
-            <a:ext cx="2016629" cy="7945"/>
+            <a:off x="745942" y="3559188"/>
+            <a:ext cx="2272149" cy="0"/>
           </a:xfrm>
           <a:prstGeom prst="line">
             <a:avLst/>
@@ -5215,7 +5203,7 @@
         </p:nvSpPr>
         <p:spPr bwMode="auto">
           <a:xfrm>
-            <a:off x="4769953" y="3672331"/>
+            <a:off x="4769364" y="3743721"/>
             <a:ext cx="886908" cy="323165"/>
           </a:xfrm>
           <a:prstGeom prst="rect">
@@ -5265,8 +5253,8 @@
         </p:nvSpPr>
         <p:spPr bwMode="auto">
           <a:xfrm>
-            <a:off x="8152313" y="3702372"/>
-            <a:ext cx="0" cy="1605048"/>
+            <a:off x="8152313" y="3702371"/>
+            <a:ext cx="0" cy="1936417"/>
           </a:xfrm>
           <a:prstGeom prst="line">
             <a:avLst/>
@@ -5301,66 +5289,6 @@
           <a:lstStyle/>
           <a:p>
             <a:pPr defTabSz="872733"/>
-            <a:endParaRPr lang="en-US" sz="1500">
-              <a:solidFill>
-                <a:prstClr val="black"/>
-              </a:solidFill>
-            </a:endParaRPr>
-          </a:p>
-        </p:txBody>
-      </p:sp>
-      <p:sp>
-        <p:nvSpPr>
-          <p:cNvPr id="53" name="Rectangle 52">
-            <a:extLst>
-              <a:ext uri="{FF2B5EF4-FFF2-40B4-BE49-F238E27FC236}">
-                <a16:creationId xmlns:a16="http://schemas.microsoft.com/office/drawing/2014/main" id="{E7397DF1-A503-43B8-9D46-710440F45D61}"/>
-              </a:ext>
-            </a:extLst>
-          </p:cNvPr>
-          <p:cNvSpPr/>
-          <p:nvPr/>
-        </p:nvSpPr>
-        <p:spPr>
-          <a:xfrm>
-            <a:off x="8026632" y="4284995"/>
-            <a:ext cx="251361" cy="697392"/>
-          </a:xfrm>
-          <a:prstGeom prst="rect">
-            <a:avLst/>
-          </a:prstGeom>
-          <a:solidFill>
-            <a:schemeClr val="bg2">
-              <a:lumMod val="75000"/>
-            </a:schemeClr>
-          </a:solidFill>
-          <a:ln>
-            <a:solidFill>
-              <a:schemeClr val="bg2">
-                <a:lumMod val="50000"/>
-              </a:schemeClr>
-            </a:solidFill>
-          </a:ln>
-        </p:spPr>
-        <p:style>
-          <a:lnRef idx="2">
-            <a:schemeClr val="accent4"/>
-          </a:lnRef>
-          <a:fillRef idx="1">
-            <a:schemeClr val="lt1"/>
-          </a:fillRef>
-          <a:effectRef idx="0">
-            <a:schemeClr val="accent4"/>
-          </a:effectRef>
-          <a:fontRef idx="minor">
-            <a:schemeClr val="dk1"/>
-          </a:fontRef>
-        </p:style>
-        <p:txBody>
-          <a:bodyPr rtlCol="0" anchor="ctr"/>
-          <a:lstStyle/>
-          <a:p>
-            <a:pPr algn="ctr" defTabSz="872733"/>
             <a:endParaRPr lang="en-US" sz="1500">
               <a:solidFill>
                 <a:prstClr val="black"/>
@@ -5455,6 +5383,102 @@
           </a:fontRef>
         </p:style>
       </p:cxnSp>
+      <p:sp>
+        <p:nvSpPr>
+          <p:cNvPr id="30" name="Line 15">
+            <a:extLst>
+              <a:ext uri="{FF2B5EF4-FFF2-40B4-BE49-F238E27FC236}">
+                <a16:creationId xmlns:a16="http://schemas.microsoft.com/office/drawing/2014/main" id="{3ECFBDF3-F943-4F25-AA78-E3C0A464D088}"/>
+              </a:ext>
+            </a:extLst>
+          </p:cNvPr>
+          <p:cNvSpPr>
+            <a:spLocks noChangeShapeType="1"/>
+          </p:cNvSpPr>
+          <p:nvPr/>
+        </p:nvSpPr>
+        <p:spPr bwMode="auto">
+          <a:xfrm flipH="1">
+            <a:off x="6044378" y="4674439"/>
+            <a:ext cx="2098815" cy="0"/>
+          </a:xfrm>
+          <a:prstGeom prst="line">
+            <a:avLst/>
+          </a:prstGeom>
+          <a:noFill/>
+          <a:ln w="19050">
+            <a:solidFill>
+              <a:schemeClr val="bg2">
+                <a:lumMod val="50000"/>
+              </a:schemeClr>
+            </a:solidFill>
+            <a:prstDash val="sysDash"/>
+            <a:round/>
+            <a:headEnd/>
+            <a:tailEnd type="triangle" w="lg" len="lg"/>
+          </a:ln>
+        </p:spPr>
+        <p:txBody>
+          <a:bodyPr/>
+          <a:lstStyle/>
+          <a:p>
+            <a:pPr defTabSz="872733"/>
+            <a:endParaRPr lang="en-US" sz="1500">
+              <a:solidFill>
+                <a:prstClr val="black"/>
+              </a:solidFill>
+            </a:endParaRPr>
+          </a:p>
+        </p:txBody>
+      </p:sp>
+      <p:sp>
+        <p:nvSpPr>
+          <p:cNvPr id="31" name="Line 15">
+            <a:extLst>
+              <a:ext uri="{FF2B5EF4-FFF2-40B4-BE49-F238E27FC236}">
+                <a16:creationId xmlns:a16="http://schemas.microsoft.com/office/drawing/2014/main" id="{DB8526FB-64E0-4199-9EA6-6CD57728BC18}"/>
+              </a:ext>
+            </a:extLst>
+          </p:cNvPr>
+          <p:cNvSpPr>
+            <a:spLocks noChangeShapeType="1"/>
+          </p:cNvSpPr>
+          <p:nvPr/>
+        </p:nvSpPr>
+        <p:spPr bwMode="auto">
+          <a:xfrm flipH="1" flipV="1">
+            <a:off x="732661" y="4934155"/>
+            <a:ext cx="5320836" cy="0"/>
+          </a:xfrm>
+          <a:prstGeom prst="line">
+            <a:avLst/>
+          </a:prstGeom>
+          <a:noFill/>
+          <a:ln w="19050">
+            <a:solidFill>
+              <a:schemeClr val="accent3">
+                <a:lumMod val="75000"/>
+              </a:schemeClr>
+            </a:solidFill>
+            <a:prstDash val="sysDash"/>
+            <a:round/>
+            <a:headEnd/>
+            <a:tailEnd type="triangle" w="lg" len="lg"/>
+          </a:ln>
+        </p:spPr>
+        <p:txBody>
+          <a:bodyPr/>
+          <a:lstStyle/>
+          <a:p>
+            <a:pPr defTabSz="872733"/>
+            <a:endParaRPr lang="en-US" sz="1500">
+              <a:solidFill>
+                <a:prstClr val="black"/>
+              </a:solidFill>
+            </a:endParaRPr>
+          </a:p>
+        </p:txBody>
+      </p:sp>
     </p:spTree>
     <p:extLst>
       <p:ext uri="{BB962C8B-B14F-4D97-AF65-F5344CB8AC3E}">
@@ -5634,7 +5658,7 @@
                                           </p:stCondLst>
                                         </p:cTn>
                                         <p:tgtEl>
-                                          <p:spTgt spid="17"/>
+                                          <p:spTgt spid="18"/>
                                         </p:tgtEl>
                                         <p:attrNameLst>
                                           <p:attrName>style.visibility</p:attrName>
@@ -5661,7 +5685,7 @@
                                           </p:stCondLst>
                                         </p:cTn>
                                         <p:tgtEl>
-                                          <p:spTgt spid="18"/>
+                                          <p:spTgt spid="19"/>
                                         </p:tgtEl>
                                         <p:attrNameLst>
                                           <p:attrName>style.visibility</p:attrName>
@@ -5688,7 +5712,7 @@
                                           </p:stCondLst>
                                         </p:cTn>
                                         <p:tgtEl>
-                                          <p:spTgt spid="19"/>
+                                          <p:spTgt spid="20"/>
                                         </p:tgtEl>
                                         <p:attrNameLst>
                                           <p:attrName>style.visibility</p:attrName>
@@ -5715,7 +5739,7 @@
                                           </p:stCondLst>
                                         </p:cTn>
                                         <p:tgtEl>
-                                          <p:spTgt spid="20"/>
+                                          <p:spTgt spid="21"/>
                                         </p:tgtEl>
                                         <p:attrNameLst>
                                           <p:attrName>style.visibility</p:attrName>
@@ -5729,7 +5753,7 @@
                                 </p:cTn>
                               </p:par>
                               <p:par>
-                                <p:cTn id="23" presetID="1" presetClass="exit" presetSubtype="0" fill="hold" grpId="0" nodeType="withEffect">
+                                <p:cTn id="23" presetID="1" presetClass="exit" presetSubtype="0" fill="hold" grpId="1" nodeType="withEffect">
                                   <p:stCondLst>
                                     <p:cond delay="0"/>
                                   </p:stCondLst>
@@ -5742,7 +5766,7 @@
                                           </p:stCondLst>
                                         </p:cTn>
                                         <p:tgtEl>
-                                          <p:spTgt spid="21"/>
+                                          <p:spTgt spid="24"/>
                                         </p:tgtEl>
                                         <p:attrNameLst>
                                           <p:attrName>style.visibility</p:attrName>
@@ -5769,7 +5793,7 @@
                                           </p:stCondLst>
                                         </p:cTn>
                                         <p:tgtEl>
-                                          <p:spTgt spid="24"/>
+                                          <p:spTgt spid="25"/>
                                         </p:tgtEl>
                                         <p:attrNameLst>
                                           <p:attrName>style.visibility</p:attrName>
@@ -5796,7 +5820,7 @@
                                           </p:stCondLst>
                                         </p:cTn>
                                         <p:tgtEl>
-                                          <p:spTgt spid="25"/>
+                                          <p:spTgt spid="29"/>
                                         </p:tgtEl>
                                         <p:attrNameLst>
                                           <p:attrName>style.visibility</p:attrName>
@@ -5810,7 +5834,7 @@
                                 </p:cTn>
                               </p:par>
                               <p:par>
-                                <p:cTn id="29" presetID="1" presetClass="exit" presetSubtype="0" fill="hold" grpId="1" nodeType="withEffect">
+                                <p:cTn id="29" presetID="1" presetClass="exit" presetSubtype="0" fill="hold" grpId="0" nodeType="withEffect">
                                   <p:stCondLst>
                                     <p:cond delay="0"/>
                                   </p:stCondLst>
@@ -5823,7 +5847,7 @@
                                           </p:stCondLst>
                                         </p:cTn>
                                         <p:tgtEl>
-                                          <p:spTgt spid="29"/>
+                                          <p:spTgt spid="33"/>
                                         </p:tgtEl>
                                         <p:attrNameLst>
                                           <p:attrName>style.visibility</p:attrName>
@@ -5850,7 +5874,7 @@
                                           </p:stCondLst>
                                         </p:cTn>
                                         <p:tgtEl>
-                                          <p:spTgt spid="33"/>
+                                          <p:spTgt spid="34"/>
                                         </p:tgtEl>
                                         <p:attrNameLst>
                                           <p:attrName>style.visibility</p:attrName>
@@ -5877,7 +5901,7 @@
                                           </p:stCondLst>
                                         </p:cTn>
                                         <p:tgtEl>
-                                          <p:spTgt spid="34"/>
+                                          <p:spTgt spid="38"/>
                                         </p:tgtEl>
                                         <p:attrNameLst>
                                           <p:attrName>style.visibility</p:attrName>
@@ -5904,7 +5928,7 @@
                                           </p:stCondLst>
                                         </p:cTn>
                                         <p:tgtEl>
-                                          <p:spTgt spid="38"/>
+                                          <p:spTgt spid="42"/>
                                         </p:tgtEl>
                                         <p:attrNameLst>
                                           <p:attrName>style.visibility</p:attrName>
@@ -5931,60 +5955,6 @@
                                           </p:stCondLst>
                                         </p:cTn>
                                         <p:tgtEl>
-                                          <p:spTgt spid="40"/>
-                                        </p:tgtEl>
-                                        <p:attrNameLst>
-                                          <p:attrName>style.visibility</p:attrName>
-                                        </p:attrNameLst>
-                                      </p:cBhvr>
-                                      <p:to>
-                                        <p:strVal val="hidden"/>
-                                      </p:to>
-                                    </p:set>
-                                  </p:childTnLst>
-                                </p:cTn>
-                              </p:par>
-                              <p:par>
-                                <p:cTn id="39" presetID="1" presetClass="exit" presetSubtype="0" fill="hold" grpId="0" nodeType="withEffect">
-                                  <p:stCondLst>
-                                    <p:cond delay="0"/>
-                                  </p:stCondLst>
-                                  <p:childTnLst>
-                                    <p:set>
-                                      <p:cBhvr>
-                                        <p:cTn id="40" dur="1" fill="hold">
-                                          <p:stCondLst>
-                                            <p:cond delay="0"/>
-                                          </p:stCondLst>
-                                        </p:cTn>
-                                        <p:tgtEl>
-                                          <p:spTgt spid="42"/>
-                                        </p:tgtEl>
-                                        <p:attrNameLst>
-                                          <p:attrName>style.visibility</p:attrName>
-                                        </p:attrNameLst>
-                                      </p:cBhvr>
-                                      <p:to>
-                                        <p:strVal val="hidden"/>
-                                      </p:to>
-                                    </p:set>
-                                  </p:childTnLst>
-                                </p:cTn>
-                              </p:par>
-                              <p:par>
-                                <p:cTn id="41" presetID="1" presetClass="exit" presetSubtype="0" fill="hold" grpId="0" nodeType="withEffect">
-                                  <p:stCondLst>
-                                    <p:cond delay="0"/>
-                                  </p:stCondLst>
-                                  <p:childTnLst>
-                                    <p:set>
-                                      <p:cBhvr>
-                                        <p:cTn id="42" dur="1" fill="hold">
-                                          <p:stCondLst>
-                                            <p:cond delay="0"/>
-                                          </p:stCondLst>
-                                        </p:cTn>
-                                        <p:tgtEl>
                                           <p:spTgt spid="43"/>
                                         </p:tgtEl>
                                         <p:attrNameLst>
@@ -5998,8 +5968,53 @@
                                   </p:childTnLst>
                                 </p:cTn>
                               </p:par>
+                            </p:childTnLst>
+                          </p:cTn>
+                        </p:par>
+                      </p:childTnLst>
+                    </p:cTn>
+                  </p:par>
+                  <p:par>
+                    <p:cTn id="39" fill="hold">
+                      <p:stCondLst>
+                        <p:cond delay="indefinite"/>
+                      </p:stCondLst>
+                      <p:childTnLst>
+                        <p:par>
+                          <p:cTn id="40" fill="hold">
+                            <p:stCondLst>
+                              <p:cond delay="0"/>
+                            </p:stCondLst>
+                            <p:childTnLst>
                               <p:par>
-                                <p:cTn id="43" presetID="1" presetClass="exit" presetSubtype="0" fill="hold" grpId="0" nodeType="withEffect">
+                                <p:cTn id="41" presetID="1" presetClass="entr" presetSubtype="0" fill="hold" grpId="0" nodeType="clickEffect">
+                                  <p:stCondLst>
+                                    <p:cond delay="0"/>
+                                  </p:stCondLst>
+                                  <p:childTnLst>
+                                    <p:set>
+                                      <p:cBhvr>
+                                        <p:cTn id="42" dur="1" fill="hold">
+                                          <p:stCondLst>
+                                            <p:cond delay="0"/>
+                                          </p:stCondLst>
+                                        </p:cTn>
+                                        <p:tgtEl>
+                                          <p:spTgt spid="45"/>
+                                        </p:tgtEl>
+                                        <p:attrNameLst>
+                                          <p:attrName>style.visibility</p:attrName>
+                                        </p:attrNameLst>
+                                      </p:cBhvr>
+                                      <p:to>
+                                        <p:strVal val="visible"/>
+                                      </p:to>
+                                    </p:set>
+                                  </p:childTnLst>
+                                </p:cTn>
+                              </p:par>
+                              <p:par>
+                                <p:cTn id="43" presetID="1" presetClass="exit" presetSubtype="0" fill="hold" grpId="1" nodeType="withEffect">
                                   <p:stCondLst>
                                     <p:cond delay="0"/>
                                   </p:stCondLst>
@@ -6012,7 +6027,7 @@
                                           </p:stCondLst>
                                         </p:cTn>
                                         <p:tgtEl>
-                                          <p:spTgt spid="44"/>
+                                          <p:spTgt spid="45"/>
                                         </p:tgtEl>
                                         <p:attrNameLst>
                                           <p:attrName>style.visibility</p:attrName>
@@ -6057,7 +6072,7 @@
                                           </p:stCondLst>
                                         </p:cTn>
                                         <p:tgtEl>
-                                          <p:spTgt spid="45"/>
+                                          <p:spTgt spid="46"/>
                                         </p:tgtEl>
                                         <p:attrNameLst>
                                           <p:attrName>style.visibility</p:attrName>
@@ -6084,7 +6099,7 @@
                                           </p:stCondLst>
                                         </p:cTn>
                                         <p:tgtEl>
-                                          <p:spTgt spid="45"/>
+                                          <p:spTgt spid="46"/>
                                         </p:tgtEl>
                                         <p:attrNameLst>
                                           <p:attrName>style.visibility</p:attrName>
@@ -6097,39 +6112,21 @@
                                   </p:childTnLst>
                                 </p:cTn>
                               </p:par>
-                            </p:childTnLst>
-                          </p:cTn>
-                        </p:par>
-                      </p:childTnLst>
-                    </p:cTn>
-                  </p:par>
-                  <p:par>
-                    <p:cTn id="51" fill="hold">
-                      <p:stCondLst>
-                        <p:cond delay="indefinite"/>
-                      </p:stCondLst>
-                      <p:childTnLst>
-                        <p:par>
-                          <p:cTn id="52" fill="hold">
-                            <p:stCondLst>
-                              <p:cond delay="0"/>
-                            </p:stCondLst>
-                            <p:childTnLst>
                               <p:par>
-                                <p:cTn id="53" presetID="1" presetClass="entr" presetSubtype="0" fill="hold" grpId="0" nodeType="clickEffect">
+                                <p:cTn id="51" presetID="1" presetClass="entr" presetSubtype="0" fill="hold" grpId="0" nodeType="withEffect">
                                   <p:stCondLst>
                                     <p:cond delay="0"/>
                                   </p:stCondLst>
                                   <p:childTnLst>
                                     <p:set>
                                       <p:cBhvr>
-                                        <p:cTn id="54" dur="1" fill="hold">
+                                        <p:cTn id="52" dur="1" fill="hold">
                                           <p:stCondLst>
                                             <p:cond delay="0"/>
                                           </p:stCondLst>
                                         </p:cTn>
                                         <p:tgtEl>
-                                          <p:spTgt spid="46"/>
+                                          <p:spTgt spid="47"/>
                                         </p:tgtEl>
                                         <p:attrNameLst>
                                           <p:attrName>style.visibility</p:attrName>
@@ -6143,7 +6140,34 @@
                                 </p:cTn>
                               </p:par>
                               <p:par>
-                                <p:cTn id="55" presetID="1" presetClass="exit" presetSubtype="0" fill="hold" grpId="1" nodeType="withEffect">
+                                <p:cTn id="53" presetID="1" presetClass="exit" presetSubtype="0" fill="hold" grpId="1" nodeType="withEffect">
+                                  <p:stCondLst>
+                                    <p:cond delay="0"/>
+                                  </p:stCondLst>
+                                  <p:childTnLst>
+                                    <p:set>
+                                      <p:cBhvr>
+                                        <p:cTn id="54" dur="1" fill="hold">
+                                          <p:stCondLst>
+                                            <p:cond delay="0"/>
+                                          </p:stCondLst>
+                                        </p:cTn>
+                                        <p:tgtEl>
+                                          <p:spTgt spid="47"/>
+                                        </p:tgtEl>
+                                        <p:attrNameLst>
+                                          <p:attrName>style.visibility</p:attrName>
+                                        </p:attrNameLst>
+                                      </p:cBhvr>
+                                      <p:to>
+                                        <p:strVal val="hidden"/>
+                                      </p:to>
+                                    </p:set>
+                                  </p:childTnLst>
+                                </p:cTn>
+                              </p:par>
+                              <p:par>
+                                <p:cTn id="55" presetID="1" presetClass="exit" presetSubtype="0" fill="hold" grpId="0" nodeType="withEffect">
                                   <p:stCondLst>
                                     <p:cond delay="0"/>
                                   </p:stCondLst>
@@ -6156,7 +6180,7 @@
                                           </p:stCondLst>
                                         </p:cTn>
                                         <p:tgtEl>
-                                          <p:spTgt spid="46"/>
+                                          <p:spTgt spid="48"/>
                                         </p:tgtEl>
                                         <p:attrNameLst>
                                           <p:attrName>style.visibility</p:attrName>
@@ -6183,7 +6207,7 @@
                                           </p:stCondLst>
                                         </p:cTn>
                                         <p:tgtEl>
-                                          <p:spTgt spid="47"/>
+                                          <p:spTgt spid="51"/>
                                         </p:tgtEl>
                                         <p:attrNameLst>
                                           <p:attrName>style.visibility</p:attrName>
@@ -6210,7 +6234,7 @@
                                           </p:stCondLst>
                                         </p:cTn>
                                         <p:tgtEl>
-                                          <p:spTgt spid="47"/>
+                                          <p:spTgt spid="51"/>
                                         </p:tgtEl>
                                         <p:attrNameLst>
                                           <p:attrName>style.visibility</p:attrName>
@@ -6237,7 +6261,7 @@
                                           </p:stCondLst>
                                         </p:cTn>
                                         <p:tgtEl>
-                                          <p:spTgt spid="48"/>
+                                          <p:spTgt spid="52"/>
                                         </p:tgtEl>
                                         <p:attrNameLst>
                                           <p:attrName>style.visibility</p:attrName>
@@ -6250,21 +6274,39 @@
                                   </p:childTnLst>
                                 </p:cTn>
                               </p:par>
+                            </p:childTnLst>
+                          </p:cTn>
+                        </p:par>
+                      </p:childTnLst>
+                    </p:cTn>
+                  </p:par>
+                  <p:par>
+                    <p:cTn id="63" fill="hold">
+                      <p:stCondLst>
+                        <p:cond delay="indefinite"/>
+                      </p:stCondLst>
+                      <p:childTnLst>
+                        <p:par>
+                          <p:cTn id="64" fill="hold">
+                            <p:stCondLst>
+                              <p:cond delay="0"/>
+                            </p:stCondLst>
+                            <p:childTnLst>
                               <p:par>
-                                <p:cTn id="63" presetID="1" presetClass="entr" presetSubtype="0" fill="hold" grpId="0" nodeType="withEffect">
+                                <p:cTn id="65" presetID="1" presetClass="entr" presetSubtype="0" fill="hold" grpId="0" nodeType="clickEffect">
                                   <p:stCondLst>
                                     <p:cond delay="0"/>
                                   </p:stCondLst>
                                   <p:childTnLst>
                                     <p:set>
                                       <p:cBhvr>
-                                        <p:cTn id="64" dur="1" fill="hold">
+                                        <p:cTn id="66" dur="1" fill="hold">
                                           <p:stCondLst>
                                             <p:cond delay="0"/>
                                           </p:stCondLst>
                                         </p:cTn>
                                         <p:tgtEl>
-                                          <p:spTgt spid="51"/>
+                                          <p:spTgt spid="30"/>
                                         </p:tgtEl>
                                         <p:attrNameLst>
                                           <p:attrName>style.visibility</p:attrName>
@@ -6278,20 +6320,20 @@
                                 </p:cTn>
                               </p:par>
                               <p:par>
-                                <p:cTn id="65" presetID="1" presetClass="exit" presetSubtype="0" fill="hold" grpId="1" nodeType="withEffect">
+                                <p:cTn id="67" presetID="1" presetClass="exit" presetSubtype="0" fill="hold" grpId="1" nodeType="withEffect">
                                   <p:stCondLst>
                                     <p:cond delay="0"/>
                                   </p:stCondLst>
                                   <p:childTnLst>
                                     <p:set>
                                       <p:cBhvr>
-                                        <p:cTn id="66" dur="1" fill="hold">
+                                        <p:cTn id="68" dur="1" fill="hold">
                                           <p:stCondLst>
                                             <p:cond delay="0"/>
                                           </p:stCondLst>
                                         </p:cTn>
                                         <p:tgtEl>
-                                          <p:spTgt spid="51"/>
+                                          <p:spTgt spid="30"/>
                                         </p:tgtEl>
                                         <p:attrNameLst>
                                           <p:attrName>style.visibility</p:attrName>
@@ -6304,48 +6346,66 @@
                                   </p:childTnLst>
                                 </p:cTn>
                               </p:par>
+                            </p:childTnLst>
+                          </p:cTn>
+                        </p:par>
+                      </p:childTnLst>
+                    </p:cTn>
+                  </p:par>
+                  <p:par>
+                    <p:cTn id="69" fill="hold">
+                      <p:stCondLst>
+                        <p:cond delay="indefinite"/>
+                      </p:stCondLst>
+                      <p:childTnLst>
+                        <p:par>
+                          <p:cTn id="70" fill="hold">
+                            <p:stCondLst>
+                              <p:cond delay="0"/>
+                            </p:stCondLst>
+                            <p:childTnLst>
                               <p:par>
-                                <p:cTn id="67" presetID="1" presetClass="exit" presetSubtype="0" fill="hold" grpId="0" nodeType="withEffect">
+                                <p:cTn id="71" presetID="1" presetClass="entr" presetSubtype="0" fill="hold" grpId="0" nodeType="clickEffect">
                                   <p:stCondLst>
                                     <p:cond delay="0"/>
                                   </p:stCondLst>
                                   <p:childTnLst>
                                     <p:set>
                                       <p:cBhvr>
-                                        <p:cTn id="68" dur="1" fill="hold">
+                                        <p:cTn id="72" dur="1" fill="hold">
                                           <p:stCondLst>
                                             <p:cond delay="0"/>
                                           </p:stCondLst>
                                         </p:cTn>
                                         <p:tgtEl>
-                                          <p:spTgt spid="52"/>
+                                          <p:spTgt spid="31"/>
                                         </p:tgtEl>
                                         <p:attrNameLst>
                                           <p:attrName>style.visibility</p:attrName>
                                         </p:attrNameLst>
                                       </p:cBhvr>
                                       <p:to>
-                                        <p:strVal val="hidden"/>
+                                        <p:strVal val="visible"/>
                                       </p:to>
                                     </p:set>
                                   </p:childTnLst>
                                 </p:cTn>
                               </p:par>
                               <p:par>
-                                <p:cTn id="69" presetID="1" presetClass="exit" presetSubtype="0" fill="hold" grpId="0" nodeType="withEffect">
+                                <p:cTn id="73" presetID="1" presetClass="exit" presetSubtype="0" fill="hold" grpId="1" nodeType="withEffect">
                                   <p:stCondLst>
                                     <p:cond delay="0"/>
                                   </p:stCondLst>
                                   <p:childTnLst>
                                     <p:set>
                                       <p:cBhvr>
-                                        <p:cTn id="70" dur="1" fill="hold">
+                                        <p:cTn id="74" dur="1" fill="hold">
                                           <p:stCondLst>
                                             <p:cond delay="0"/>
                                           </p:stCondLst>
                                         </p:cTn>
                                         <p:tgtEl>
-                                          <p:spTgt spid="53"/>
+                                          <p:spTgt spid="31"/>
                                         </p:tgtEl>
                                         <p:attrNameLst>
                                           <p:attrName>style.visibility</p:attrName>
@@ -6388,7 +6448,6 @@
     <p:bldLst>
       <p:bldP spid="5" grpId="0" animBg="1"/>
       <p:bldP spid="6" grpId="0" animBg="1"/>
-      <p:bldP spid="17" grpId="0" animBg="1"/>
       <p:bldP spid="18" grpId="0" animBg="1"/>
       <p:bldP spid="19" grpId="0" animBg="1"/>
       <p:bldP spid="20" grpId="0" animBg="1"/>
@@ -6402,10 +6461,8 @@
       <p:bldP spid="33" grpId="0" animBg="1"/>
       <p:bldP spid="34" grpId="0" animBg="1"/>
       <p:bldP spid="38" grpId="0"/>
-      <p:bldP spid="40" grpId="0" animBg="1"/>
       <p:bldP spid="42" grpId="0" animBg="1"/>
       <p:bldP spid="43" grpId="0" animBg="1"/>
-      <p:bldP spid="44" grpId="0" animBg="1"/>
       <p:bldP spid="45" grpId="0" animBg="1"/>
       <p:bldP spid="45" grpId="1" animBg="1"/>
       <p:bldP spid="46" grpId="0" animBg="1"/>
@@ -6416,7 +6473,10 @@
       <p:bldP spid="51" grpId="0"/>
       <p:bldP spid="51" grpId="1"/>
       <p:bldP spid="52" grpId="0" animBg="1"/>
-      <p:bldP spid="53" grpId="0" animBg="1"/>
+      <p:bldP spid="30" grpId="0" animBg="1"/>
+      <p:bldP spid="30" grpId="1" animBg="1"/>
+      <p:bldP spid="31" grpId="0" animBg="1"/>
+      <p:bldP spid="31" grpId="1" animBg="1"/>
     </p:bldLst>
   </p:timing>
 </p:sld>

--- a/docs/slides/ResetBudget.pptx
+++ b/docs/slides/ResetBudget.pptx
@@ -533,7 +533,7 @@
           <a:p>
             <a:fld id="{9629A0FB-7277-41B0-BEC2-EE35F8B0CE39}" type="datetimeFigureOut">
               <a:rPr lang="en-SG" smtClean="0"/>
-              <a:t>2/4/2020</a:t>
+              <a:t>5/4/2020</a:t>
             </a:fld>
             <a:endParaRPr lang="en-SG"/>
           </a:p>
@@ -4202,76 +4202,6 @@
       </p:sp>
       <p:sp>
         <p:nvSpPr>
-          <p:cNvPr id="6" name="Text Box 11"/>
-          <p:cNvSpPr txBox="1">
-            <a:spLocks noChangeArrowheads="1"/>
-          </p:cNvSpPr>
-          <p:nvPr/>
-        </p:nvSpPr>
-        <p:spPr bwMode="auto">
-          <a:xfrm>
-            <a:off x="2571683" y="1515750"/>
-            <a:ext cx="967275" cy="600164"/>
-          </a:xfrm>
-          <a:prstGeom prst="rect">
-            <a:avLst/>
-          </a:prstGeom>
-          <a:solidFill>
-            <a:schemeClr val="accent4">
-              <a:lumMod val="40000"/>
-              <a:lumOff val="60000"/>
-            </a:schemeClr>
-          </a:solidFill>
-          <a:ln w="19050">
-            <a:solidFill>
-              <a:schemeClr val="accent4">
-                <a:lumMod val="75000"/>
-              </a:schemeClr>
-            </a:solidFill>
-            <a:headEnd/>
-            <a:tailEnd/>
-          </a:ln>
-        </p:spPr>
-        <p:style>
-          <a:lnRef idx="1">
-            <a:schemeClr val="accent4"/>
-          </a:lnRef>
-          <a:fillRef idx="2">
-            <a:schemeClr val="accent4"/>
-          </a:fillRef>
-          <a:effectRef idx="1">
-            <a:schemeClr val="accent4"/>
-          </a:effectRef>
-          <a:fontRef idx="minor">
-            <a:schemeClr val="dk1"/>
-          </a:fontRef>
-        </p:style>
-        <p:txBody>
-          <a:bodyPr wrap="square" tIns="182880" bIns="182880">
-            <a:spAutoFit/>
-          </a:bodyPr>
-          <a:lstStyle/>
-          <a:p>
-            <a:pPr algn="ctr" defTabSz="872733">
-              <a:spcBef>
-                <a:spcPct val="50000"/>
-              </a:spcBef>
-              <a:buFont typeface="Wingdings" pitchFamily="2" charset="2"/>
-              <a:buNone/>
-            </a:pPr>
-            <a:r>
-              <a:rPr lang="en-US" sz="1500" dirty="0">
-                <a:solidFill>
-                  <a:prstClr val="black"/>
-                </a:solidFill>
-              </a:rPr>
-              <a:t>:Parser</a:t>
-            </a:r>
-          </a:p>
-        </p:txBody>
-      </p:sp>
-      <p:sp>
-        <p:nvSpPr>
           <p:cNvPr id="18" name="Text Box 11"/>
           <p:cNvSpPr txBox="1">
             <a:spLocks noChangeArrowheads="1"/>
@@ -4768,163 +4698,6 @@
       </p:sp>
       <p:sp>
         <p:nvSpPr>
-          <p:cNvPr id="42" name="Text Box 11">
-            <a:extLst>
-              <a:ext uri="{FF2B5EF4-FFF2-40B4-BE49-F238E27FC236}">
-                <a16:creationId xmlns:a16="http://schemas.microsoft.com/office/drawing/2014/main" id="{569EC1FF-3CDF-4E6B-82B3-104CCA3F3E9D}"/>
-              </a:ext>
-            </a:extLst>
-          </p:cNvPr>
-          <p:cNvSpPr txBox="1">
-            <a:spLocks noChangeArrowheads="1"/>
-          </p:cNvSpPr>
-          <p:nvPr/>
-        </p:nvSpPr>
-        <p:spPr bwMode="auto">
-          <a:xfrm>
-            <a:off x="7314113" y="3102208"/>
-            <a:ext cx="1676400" cy="600164"/>
-          </a:xfrm>
-          <a:prstGeom prst="rect">
-            <a:avLst/>
-          </a:prstGeom>
-          <a:solidFill>
-            <a:schemeClr val="bg2">
-              <a:lumMod val="75000"/>
-            </a:schemeClr>
-          </a:solidFill>
-          <a:ln w="19050">
-            <a:solidFill>
-              <a:schemeClr val="bg2">
-                <a:lumMod val="50000"/>
-              </a:schemeClr>
-            </a:solidFill>
-            <a:headEnd/>
-            <a:tailEnd/>
-          </a:ln>
-        </p:spPr>
-        <p:style>
-          <a:lnRef idx="1">
-            <a:schemeClr val="accent4"/>
-          </a:lnRef>
-          <a:fillRef idx="2">
-            <a:schemeClr val="accent4"/>
-          </a:fillRef>
-          <a:effectRef idx="1">
-            <a:schemeClr val="accent4"/>
-          </a:effectRef>
-          <a:fontRef idx="minor">
-            <a:schemeClr val="dk1"/>
-          </a:fontRef>
-        </p:style>
-        <p:txBody>
-          <a:bodyPr wrap="square" tIns="182880" bIns="182880">
-            <a:spAutoFit/>
-          </a:bodyPr>
-          <a:lstStyle/>
-          <a:p>
-            <a:pPr algn="ctr" defTabSz="872733">
-              <a:spcBef>
-                <a:spcPct val="50000"/>
-              </a:spcBef>
-              <a:buFont typeface="Wingdings" pitchFamily="2" charset="2"/>
-              <a:buNone/>
-            </a:pPr>
-            <a:r>
-              <a:rPr lang="en-US" sz="1500" dirty="0" err="1">
-                <a:solidFill>
-                  <a:prstClr val="black"/>
-                </a:solidFill>
-              </a:rPr>
-              <a:t>myBudget:Budget</a:t>
-            </a:r>
-            <a:endParaRPr lang="en-US" sz="1500" dirty="0">
-              <a:solidFill>
-                <a:prstClr val="black"/>
-              </a:solidFill>
-            </a:endParaRPr>
-          </a:p>
-        </p:txBody>
-      </p:sp>
-      <p:sp>
-        <p:nvSpPr>
-          <p:cNvPr id="43" name="Text Box 11">
-            <a:extLst>
-              <a:ext uri="{FF2B5EF4-FFF2-40B4-BE49-F238E27FC236}">
-                <a16:creationId xmlns:a16="http://schemas.microsoft.com/office/drawing/2014/main" id="{79ACA4C9-9678-4611-AE49-25FE7CAE8B35}"/>
-              </a:ext>
-            </a:extLst>
-          </p:cNvPr>
-          <p:cNvSpPr txBox="1">
-            <a:spLocks noChangeArrowheads="1"/>
-          </p:cNvSpPr>
-          <p:nvPr/>
-        </p:nvSpPr>
-        <p:spPr bwMode="auto">
-          <a:xfrm>
-            <a:off x="117858" y="798625"/>
-            <a:ext cx="1295400" cy="600164"/>
-          </a:xfrm>
-          <a:prstGeom prst="rect">
-            <a:avLst/>
-          </a:prstGeom>
-          <a:solidFill>
-            <a:schemeClr val="accent2">
-              <a:lumMod val="40000"/>
-              <a:lumOff val="60000"/>
-            </a:schemeClr>
-          </a:solidFill>
-          <a:ln w="19050">
-            <a:solidFill>
-              <a:schemeClr val="accent2">
-                <a:lumMod val="60000"/>
-                <a:lumOff val="40000"/>
-              </a:schemeClr>
-            </a:solidFill>
-            <a:headEnd/>
-            <a:tailEnd/>
-          </a:ln>
-        </p:spPr>
-        <p:style>
-          <a:lnRef idx="1">
-            <a:schemeClr val="accent4"/>
-          </a:lnRef>
-          <a:fillRef idx="2">
-            <a:schemeClr val="accent4"/>
-          </a:fillRef>
-          <a:effectRef idx="1">
-            <a:schemeClr val="accent4"/>
-          </a:effectRef>
-          <a:fontRef idx="minor">
-            <a:schemeClr val="dk1"/>
-          </a:fontRef>
-        </p:style>
-        <p:txBody>
-          <a:bodyPr tIns="182880" bIns="182880">
-            <a:spAutoFit/>
-          </a:bodyPr>
-          <a:lstStyle/>
-          <a:p>
-            <a:pPr algn="ctr" defTabSz="872733">
-              <a:spcBef>
-                <a:spcPct val="50000"/>
-              </a:spcBef>
-              <a:buFont typeface="Wingdings" pitchFamily="2" charset="2"/>
-              <a:buNone/>
-            </a:pPr>
-            <a:r>
-              <a:rPr lang="en-US" sz="1500" dirty="0">
-                <a:solidFill>
-                  <a:prstClr val="black"/>
-                </a:solidFill>
-              </a:rPr>
-              <a:t>:Duke</a:t>
-            </a:r>
-          </a:p>
-        </p:txBody>
-      </p:sp>
-      <p:sp>
-        <p:nvSpPr>
           <p:cNvPr id="45" name="Line 15">
             <a:extLst>
               <a:ext uri="{FF2B5EF4-FFF2-40B4-BE49-F238E27FC236}">
@@ -4995,9 +4768,7 @@
           <a:noFill/>
           <a:ln w="19050">
             <a:solidFill>
-              <a:schemeClr val="bg2">
-                <a:lumMod val="50000"/>
-              </a:schemeClr>
+              <a:srgbClr val="002060"/>
             </a:solidFill>
             <a:round/>
             <a:headEnd/>
@@ -5277,9 +5048,7 @@
           </a:prstGeom>
           <a:ln>
             <a:solidFill>
-              <a:schemeClr val="bg2">
-                <a:lumMod val="50000"/>
-              </a:schemeClr>
+              <a:srgbClr val="002060"/>
             </a:solidFill>
             <a:prstDash val="sysDash"/>
             <a:headEnd/>
@@ -5424,9 +5193,7 @@
           <a:noFill/>
           <a:ln w="19050">
             <a:solidFill>
-              <a:schemeClr val="bg2">
-                <a:lumMod val="50000"/>
-              </a:schemeClr>
+              <a:srgbClr val="002060"/>
             </a:solidFill>
             <a:prstDash val="sysDash"/>
             <a:round/>
@@ -5488,6 +5255,255 @@
           <a:p>
             <a:pPr defTabSz="872733"/>
             <a:endParaRPr lang="en-US" sz="1500">
+              <a:solidFill>
+                <a:prstClr val="black"/>
+              </a:solidFill>
+            </a:endParaRPr>
+          </a:p>
+        </p:txBody>
+      </p:sp>
+      <p:sp>
+        <p:nvSpPr>
+          <p:cNvPr id="28" name="Google Shape;58;p14">
+            <a:extLst>
+              <a:ext uri="{FF2B5EF4-FFF2-40B4-BE49-F238E27FC236}">
+                <a16:creationId xmlns:a16="http://schemas.microsoft.com/office/drawing/2014/main" id="{E2E8FA62-62E8-40FD-8D82-5F4B7DCCC772}"/>
+              </a:ext>
+            </a:extLst>
+          </p:cNvPr>
+          <p:cNvSpPr/>
+          <p:nvPr/>
+        </p:nvSpPr>
+        <p:spPr>
+          <a:xfrm>
+            <a:off x="119167" y="966681"/>
+            <a:ext cx="1219200" cy="474268"/>
+          </a:xfrm>
+          <a:prstGeom prst="rect">
+            <a:avLst/>
+          </a:prstGeom>
+          <a:gradFill flip="none" rotWithShape="1">
+            <a:gsLst>
+              <a:gs pos="0">
+                <a:srgbClr val="FF9999"/>
+              </a:gs>
+              <a:gs pos="50000">
+                <a:srgbClr val="FF7C80">
+                  <a:tint val="44500"/>
+                  <a:satMod val="160000"/>
+                </a:srgbClr>
+              </a:gs>
+              <a:gs pos="100000">
+                <a:srgbClr val="FF7C80">
+                  <a:tint val="23500"/>
+                  <a:satMod val="160000"/>
+                </a:srgbClr>
+              </a:gs>
+            </a:gsLst>
+            <a:lin ang="16200000" scaled="1"/>
+            <a:tileRect/>
+          </a:gradFill>
+          <a:ln w="19050" cap="flat" cmpd="sng">
+            <a:solidFill>
+              <a:srgbClr val="FF9999"/>
+            </a:solidFill>
+            <a:prstDash val="solid"/>
+            <a:round/>
+            <a:headEnd type="none" w="sm" len="sm"/>
+            <a:tailEnd type="none" w="sm" len="sm"/>
+          </a:ln>
+          <a:effectLst>
+            <a:outerShdw blurRad="40000" dist="20000" dir="5400000" rotWithShape="0">
+              <a:srgbClr val="000000">
+                <a:alpha val="37650"/>
+              </a:srgbClr>
+            </a:outerShdw>
+          </a:effectLst>
+        </p:spPr>
+        <p:txBody>
+          <a:bodyPr spcFirstLastPara="1" wrap="square" lIns="91425" tIns="45700" rIns="91425" bIns="45700" anchor="ctr" anchorCtr="0">
+            <a:noAutofit/>
+          </a:bodyPr>
+          <a:lstStyle/>
+          <a:p>
+            <a:pPr algn="ctr"/>
+            <a:r>
+              <a:rPr lang="en-SG" sz="1300" dirty="0">
+                <a:latin typeface="Calibri"/>
+                <a:ea typeface="Calibri"/>
+                <a:cs typeface="Calibri"/>
+                <a:sym typeface="Calibri"/>
+              </a:rPr>
+              <a:t>:Duke</a:t>
+            </a:r>
+            <a:endParaRPr sz="1300" dirty="0"/>
+          </a:p>
+        </p:txBody>
+      </p:sp>
+      <p:sp>
+        <p:nvSpPr>
+          <p:cNvPr id="32" name="Google Shape;59;p14">
+            <a:extLst>
+              <a:ext uri="{FF2B5EF4-FFF2-40B4-BE49-F238E27FC236}">
+                <a16:creationId xmlns:a16="http://schemas.microsoft.com/office/drawing/2014/main" id="{90F41BD3-2C9B-49D9-991D-010BC6E751C9}"/>
+              </a:ext>
+            </a:extLst>
+          </p:cNvPr>
+          <p:cNvSpPr/>
+          <p:nvPr/>
+        </p:nvSpPr>
+        <p:spPr>
+          <a:xfrm>
+            <a:off x="2573477" y="1529997"/>
+            <a:ext cx="855524" cy="603603"/>
+          </a:xfrm>
+          <a:prstGeom prst="rect">
+            <a:avLst/>
+          </a:prstGeom>
+          <a:gradFill flip="none" rotWithShape="1">
+            <a:gsLst>
+              <a:gs pos="0">
+                <a:srgbClr val="990099">
+                  <a:tint val="66000"/>
+                  <a:satMod val="160000"/>
+                </a:srgbClr>
+              </a:gs>
+              <a:gs pos="50000">
+                <a:srgbClr val="990099">
+                  <a:tint val="44500"/>
+                  <a:satMod val="160000"/>
+                </a:srgbClr>
+              </a:gs>
+              <a:gs pos="100000">
+                <a:srgbClr val="990099">
+                  <a:tint val="23500"/>
+                  <a:satMod val="160000"/>
+                </a:srgbClr>
+              </a:gs>
+            </a:gsLst>
+            <a:lin ang="16200000" scaled="1"/>
+            <a:tileRect/>
+          </a:gradFill>
+          <a:ln w="19050" cap="flat" cmpd="sng">
+            <a:solidFill>
+              <a:srgbClr val="CF92CF"/>
+            </a:solidFill>
+            <a:prstDash val="solid"/>
+            <a:round/>
+            <a:headEnd type="none" w="sm" len="sm"/>
+            <a:tailEnd type="none" w="sm" len="sm"/>
+          </a:ln>
+          <a:effectLst>
+            <a:outerShdw blurRad="40000" dist="20000" dir="5400000" rotWithShape="0">
+              <a:srgbClr val="000000">
+                <a:alpha val="37650"/>
+              </a:srgbClr>
+            </a:outerShdw>
+          </a:effectLst>
+        </p:spPr>
+        <p:txBody>
+          <a:bodyPr spcFirstLastPara="1" wrap="square" lIns="91425" tIns="45700" rIns="91425" bIns="45700" anchor="ctr" anchorCtr="0">
+            <a:noAutofit/>
+          </a:bodyPr>
+          <a:lstStyle/>
+          <a:p>
+            <a:pPr algn="ctr"/>
+            <a:r>
+              <a:rPr lang="en" sz="1300" dirty="0">
+                <a:latin typeface="Calibri"/>
+                <a:ea typeface="Calibri"/>
+                <a:cs typeface="Calibri"/>
+                <a:sym typeface="Calibri"/>
+              </a:rPr>
+              <a:t>:Parser</a:t>
+            </a:r>
+            <a:endParaRPr sz="1300" dirty="0"/>
+          </a:p>
+        </p:txBody>
+      </p:sp>
+      <p:sp>
+        <p:nvSpPr>
+          <p:cNvPr id="35" name="Google Shape;64;p14">
+            <a:extLst>
+              <a:ext uri="{FF2B5EF4-FFF2-40B4-BE49-F238E27FC236}">
+                <a16:creationId xmlns:a16="http://schemas.microsoft.com/office/drawing/2014/main" id="{89F3F59D-4CCF-4886-A71E-D38860F731FF}"/>
+              </a:ext>
+            </a:extLst>
+          </p:cNvPr>
+          <p:cNvSpPr/>
+          <p:nvPr/>
+        </p:nvSpPr>
+        <p:spPr>
+          <a:xfrm>
+            <a:off x="7333694" y="3085759"/>
+            <a:ext cx="1637188" cy="600164"/>
+          </a:xfrm>
+          <a:prstGeom prst="rect">
+            <a:avLst/>
+          </a:prstGeom>
+          <a:gradFill flip="none" rotWithShape="1">
+            <a:gsLst>
+              <a:gs pos="0">
+                <a:srgbClr val="009999">
+                  <a:tint val="66000"/>
+                  <a:satMod val="160000"/>
+                </a:srgbClr>
+              </a:gs>
+              <a:gs pos="50000">
+                <a:srgbClr val="009999">
+                  <a:tint val="44500"/>
+                  <a:satMod val="160000"/>
+                </a:srgbClr>
+              </a:gs>
+              <a:gs pos="100000">
+                <a:srgbClr val="009999">
+                  <a:tint val="23500"/>
+                  <a:satMod val="160000"/>
+                </a:srgbClr>
+              </a:gs>
+            </a:gsLst>
+            <a:lin ang="16200000" scaled="1"/>
+            <a:tileRect/>
+          </a:gradFill>
+          <a:ln w="19050" cap="flat" cmpd="sng">
+            <a:solidFill>
+              <a:srgbClr val="009999"/>
+            </a:solidFill>
+            <a:prstDash val="solid"/>
+            <a:round/>
+            <a:headEnd type="none" w="sm" len="sm"/>
+            <a:tailEnd type="none" w="sm" len="sm"/>
+          </a:ln>
+          <a:effectLst>
+            <a:outerShdw blurRad="40000" dist="20000" dir="5400000" rotWithShape="0">
+              <a:srgbClr val="000000">
+                <a:alpha val="37650"/>
+              </a:srgbClr>
+            </a:outerShdw>
+          </a:effectLst>
+        </p:spPr>
+        <p:txBody>
+          <a:bodyPr spcFirstLastPara="1" wrap="square" lIns="91425" tIns="45700" rIns="91425" bIns="45700" anchor="ctr" anchorCtr="0">
+            <a:noAutofit/>
+          </a:bodyPr>
+          <a:lstStyle/>
+          <a:p>
+            <a:pPr algn="ctr" defTabSz="872733">
+              <a:spcBef>
+                <a:spcPct val="50000"/>
+              </a:spcBef>
+              <a:buFont typeface="Wingdings" pitchFamily="2" charset="2"/>
+              <a:buNone/>
+            </a:pPr>
+            <a:r>
+              <a:rPr lang="en-US" sz="1400" dirty="0" err="1">
+                <a:solidFill>
+                  <a:prstClr val="black"/>
+                </a:solidFill>
+              </a:rPr>
+              <a:t>myBudget:Budget</a:t>
+            </a:r>
+            <a:endParaRPr lang="en-US" sz="1400" dirty="0">
               <a:solidFill>
                 <a:prstClr val="black"/>
               </a:solidFill>
@@ -5647,7 +5663,7 @@
                                           </p:stCondLst>
                                         </p:cTn>
                                         <p:tgtEl>
-                                          <p:spTgt spid="6"/>
+                                          <p:spTgt spid="18"/>
                                         </p:tgtEl>
                                         <p:attrNameLst>
                                           <p:attrName>style.visibility</p:attrName>
@@ -5674,7 +5690,7 @@
                                           </p:stCondLst>
                                         </p:cTn>
                                         <p:tgtEl>
-                                          <p:spTgt spid="18"/>
+                                          <p:spTgt spid="19"/>
                                         </p:tgtEl>
                                         <p:attrNameLst>
                                           <p:attrName>style.visibility</p:attrName>
@@ -5701,7 +5717,7 @@
                                           </p:stCondLst>
                                         </p:cTn>
                                         <p:tgtEl>
-                                          <p:spTgt spid="19"/>
+                                          <p:spTgt spid="20"/>
                                         </p:tgtEl>
                                         <p:attrNameLst>
                                           <p:attrName>style.visibility</p:attrName>
@@ -5728,7 +5744,7 @@
                                           </p:stCondLst>
                                         </p:cTn>
                                         <p:tgtEl>
-                                          <p:spTgt spid="20"/>
+                                          <p:spTgt spid="21"/>
                                         </p:tgtEl>
                                         <p:attrNameLst>
                                           <p:attrName>style.visibility</p:attrName>
@@ -5742,7 +5758,7 @@
                                 </p:cTn>
                               </p:par>
                               <p:par>
-                                <p:cTn id="21" presetID="1" presetClass="exit" presetSubtype="0" fill="hold" grpId="0" nodeType="withEffect">
+                                <p:cTn id="21" presetID="1" presetClass="exit" presetSubtype="0" fill="hold" grpId="1" nodeType="withEffect">
                                   <p:stCondLst>
                                     <p:cond delay="0"/>
                                   </p:stCondLst>
@@ -5755,7 +5771,7 @@
                                           </p:stCondLst>
                                         </p:cTn>
                                         <p:tgtEl>
-                                          <p:spTgt spid="21"/>
+                                          <p:spTgt spid="24"/>
                                         </p:tgtEl>
                                         <p:attrNameLst>
                                           <p:attrName>style.visibility</p:attrName>
@@ -5782,7 +5798,7 @@
                                           </p:stCondLst>
                                         </p:cTn>
                                         <p:tgtEl>
-                                          <p:spTgt spid="24"/>
+                                          <p:spTgt spid="25"/>
                                         </p:tgtEl>
                                         <p:attrNameLst>
                                           <p:attrName>style.visibility</p:attrName>
@@ -5809,7 +5825,7 @@
                                           </p:stCondLst>
                                         </p:cTn>
                                         <p:tgtEl>
-                                          <p:spTgt spid="25"/>
+                                          <p:spTgt spid="29"/>
                                         </p:tgtEl>
                                         <p:attrNameLst>
                                           <p:attrName>style.visibility</p:attrName>
@@ -5823,7 +5839,7 @@
                                 </p:cTn>
                               </p:par>
                               <p:par>
-                                <p:cTn id="27" presetID="1" presetClass="exit" presetSubtype="0" fill="hold" grpId="1" nodeType="withEffect">
+                                <p:cTn id="27" presetID="1" presetClass="exit" presetSubtype="0" fill="hold" grpId="0" nodeType="withEffect">
                                   <p:stCondLst>
                                     <p:cond delay="0"/>
                                   </p:stCondLst>
@@ -5836,7 +5852,7 @@
                                           </p:stCondLst>
                                         </p:cTn>
                                         <p:tgtEl>
-                                          <p:spTgt spid="29"/>
+                                          <p:spTgt spid="33"/>
                                         </p:tgtEl>
                                         <p:attrNameLst>
                                           <p:attrName>style.visibility</p:attrName>
@@ -5863,7 +5879,7 @@
                                           </p:stCondLst>
                                         </p:cTn>
                                         <p:tgtEl>
-                                          <p:spTgt spid="33"/>
+                                          <p:spTgt spid="34"/>
                                         </p:tgtEl>
                                         <p:attrNameLst>
                                           <p:attrName>style.visibility</p:attrName>
@@ -5890,33 +5906,6 @@
                                           </p:stCondLst>
                                         </p:cTn>
                                         <p:tgtEl>
-                                          <p:spTgt spid="34"/>
-                                        </p:tgtEl>
-                                        <p:attrNameLst>
-                                          <p:attrName>style.visibility</p:attrName>
-                                        </p:attrNameLst>
-                                      </p:cBhvr>
-                                      <p:to>
-                                        <p:strVal val="hidden"/>
-                                      </p:to>
-                                    </p:set>
-                                  </p:childTnLst>
-                                </p:cTn>
-                              </p:par>
-                              <p:par>
-                                <p:cTn id="33" presetID="1" presetClass="exit" presetSubtype="0" fill="hold" grpId="0" nodeType="withEffect">
-                                  <p:stCondLst>
-                                    <p:cond delay="0"/>
-                                  </p:stCondLst>
-                                  <p:childTnLst>
-                                    <p:set>
-                                      <p:cBhvr>
-                                        <p:cTn id="34" dur="1" fill="hold">
-                                          <p:stCondLst>
-                                            <p:cond delay="0"/>
-                                          </p:stCondLst>
-                                        </p:cTn>
-                                        <p:tgtEl>
                                           <p:spTgt spid="38"/>
                                         </p:tgtEl>
                                         <p:attrNameLst>
@@ -5930,8 +5919,26 @@
                                   </p:childTnLst>
                                 </p:cTn>
                               </p:par>
+                            </p:childTnLst>
+                          </p:cTn>
+                        </p:par>
+                      </p:childTnLst>
+                    </p:cTn>
+                  </p:par>
+                  <p:par>
+                    <p:cTn id="33" fill="hold">
+                      <p:stCondLst>
+                        <p:cond delay="indefinite"/>
+                      </p:stCondLst>
+                      <p:childTnLst>
+                        <p:par>
+                          <p:cTn id="34" fill="hold">
+                            <p:stCondLst>
+                              <p:cond delay="0"/>
+                            </p:stCondLst>
+                            <p:childTnLst>
                               <p:par>
-                                <p:cTn id="35" presetID="1" presetClass="exit" presetSubtype="0" fill="hold" grpId="0" nodeType="withEffect">
+                                <p:cTn id="35" presetID="1" presetClass="entr" presetSubtype="0" fill="hold" grpId="0" nodeType="clickEffect">
                                   <p:stCondLst>
                                     <p:cond delay="0"/>
                                   </p:stCondLst>
@@ -5944,21 +5951,21 @@
                                           </p:stCondLst>
                                         </p:cTn>
                                         <p:tgtEl>
-                                          <p:spTgt spid="42"/>
+                                          <p:spTgt spid="45"/>
                                         </p:tgtEl>
                                         <p:attrNameLst>
                                           <p:attrName>style.visibility</p:attrName>
                                         </p:attrNameLst>
                                       </p:cBhvr>
                                       <p:to>
-                                        <p:strVal val="hidden"/>
+                                        <p:strVal val="visible"/>
                                       </p:to>
                                     </p:set>
                                   </p:childTnLst>
                                 </p:cTn>
                               </p:par>
                               <p:par>
-                                <p:cTn id="37" presetID="1" presetClass="exit" presetSubtype="0" fill="hold" grpId="0" nodeType="withEffect">
+                                <p:cTn id="37" presetID="1" presetClass="exit" presetSubtype="0" fill="hold" grpId="1" nodeType="withEffect">
                                   <p:stCondLst>
                                     <p:cond delay="0"/>
                                   </p:stCondLst>
@@ -5971,7 +5978,7 @@
                                           </p:stCondLst>
                                         </p:cTn>
                                         <p:tgtEl>
-                                          <p:spTgt spid="43"/>
+                                          <p:spTgt spid="45"/>
                                         </p:tgtEl>
                                         <p:attrNameLst>
                                           <p:attrName>style.visibility</p:attrName>
@@ -6016,7 +6023,7 @@
                                           </p:stCondLst>
                                         </p:cTn>
                                         <p:tgtEl>
-                                          <p:spTgt spid="45"/>
+                                          <p:spTgt spid="46"/>
                                         </p:tgtEl>
                                         <p:attrNameLst>
                                           <p:attrName>style.visibility</p:attrName>
@@ -6043,7 +6050,7 @@
                                           </p:stCondLst>
                                         </p:cTn>
                                         <p:tgtEl>
-                                          <p:spTgt spid="45"/>
+                                          <p:spTgt spid="46"/>
                                         </p:tgtEl>
                                         <p:attrNameLst>
                                           <p:attrName>style.visibility</p:attrName>
@@ -6056,39 +6063,21 @@
                                   </p:childTnLst>
                                 </p:cTn>
                               </p:par>
-                            </p:childTnLst>
-                          </p:cTn>
-                        </p:par>
-                      </p:childTnLst>
-                    </p:cTn>
-                  </p:par>
-                  <p:par>
-                    <p:cTn id="45" fill="hold">
-                      <p:stCondLst>
-                        <p:cond delay="indefinite"/>
-                      </p:stCondLst>
-                      <p:childTnLst>
-                        <p:par>
-                          <p:cTn id="46" fill="hold">
-                            <p:stCondLst>
-                              <p:cond delay="0"/>
-                            </p:stCondLst>
-                            <p:childTnLst>
                               <p:par>
-                                <p:cTn id="47" presetID="1" presetClass="entr" presetSubtype="0" fill="hold" grpId="0" nodeType="clickEffect">
+                                <p:cTn id="45" presetID="1" presetClass="entr" presetSubtype="0" fill="hold" grpId="0" nodeType="withEffect">
                                   <p:stCondLst>
                                     <p:cond delay="0"/>
                                   </p:stCondLst>
                                   <p:childTnLst>
                                     <p:set>
                                       <p:cBhvr>
-                                        <p:cTn id="48" dur="1" fill="hold">
+                                        <p:cTn id="46" dur="1" fill="hold">
                                           <p:stCondLst>
                                             <p:cond delay="0"/>
                                           </p:stCondLst>
                                         </p:cTn>
                                         <p:tgtEl>
-                                          <p:spTgt spid="46"/>
+                                          <p:spTgt spid="47"/>
                                         </p:tgtEl>
                                         <p:attrNameLst>
                                           <p:attrName>style.visibility</p:attrName>
@@ -6102,7 +6091,34 @@
                                 </p:cTn>
                               </p:par>
                               <p:par>
-                                <p:cTn id="49" presetID="1" presetClass="exit" presetSubtype="0" fill="hold" grpId="1" nodeType="withEffect">
+                                <p:cTn id="47" presetID="1" presetClass="exit" presetSubtype="0" fill="hold" grpId="1" nodeType="withEffect">
+                                  <p:stCondLst>
+                                    <p:cond delay="0"/>
+                                  </p:stCondLst>
+                                  <p:childTnLst>
+                                    <p:set>
+                                      <p:cBhvr>
+                                        <p:cTn id="48" dur="1" fill="hold">
+                                          <p:stCondLst>
+                                            <p:cond delay="0"/>
+                                          </p:stCondLst>
+                                        </p:cTn>
+                                        <p:tgtEl>
+                                          <p:spTgt spid="47"/>
+                                        </p:tgtEl>
+                                        <p:attrNameLst>
+                                          <p:attrName>style.visibility</p:attrName>
+                                        </p:attrNameLst>
+                                      </p:cBhvr>
+                                      <p:to>
+                                        <p:strVal val="hidden"/>
+                                      </p:to>
+                                    </p:set>
+                                  </p:childTnLst>
+                                </p:cTn>
+                              </p:par>
+                              <p:par>
+                                <p:cTn id="49" presetID="1" presetClass="exit" presetSubtype="0" fill="hold" grpId="0" nodeType="withEffect">
                                   <p:stCondLst>
                                     <p:cond delay="0"/>
                                   </p:stCondLst>
@@ -6115,7 +6131,7 @@
                                           </p:stCondLst>
                                         </p:cTn>
                                         <p:tgtEl>
-                                          <p:spTgt spid="46"/>
+                                          <p:spTgt spid="48"/>
                                         </p:tgtEl>
                                         <p:attrNameLst>
                                           <p:attrName>style.visibility</p:attrName>
@@ -6142,7 +6158,7 @@
                                           </p:stCondLst>
                                         </p:cTn>
                                         <p:tgtEl>
-                                          <p:spTgt spid="47"/>
+                                          <p:spTgt spid="51"/>
                                         </p:tgtEl>
                                         <p:attrNameLst>
                                           <p:attrName>style.visibility</p:attrName>
@@ -6169,7 +6185,7 @@
                                           </p:stCondLst>
                                         </p:cTn>
                                         <p:tgtEl>
-                                          <p:spTgt spid="47"/>
+                                          <p:spTgt spid="51"/>
                                         </p:tgtEl>
                                         <p:attrNameLst>
                                           <p:attrName>style.visibility</p:attrName>
@@ -6196,7 +6212,7 @@
                                           </p:stCondLst>
                                         </p:cTn>
                                         <p:tgtEl>
-                                          <p:spTgt spid="48"/>
+                                          <p:spTgt spid="52"/>
                                         </p:tgtEl>
                                         <p:attrNameLst>
                                           <p:attrName>style.visibility</p:attrName>
@@ -6209,21 +6225,39 @@
                                   </p:childTnLst>
                                 </p:cTn>
                               </p:par>
+                            </p:childTnLst>
+                          </p:cTn>
+                        </p:par>
+                      </p:childTnLst>
+                    </p:cTn>
+                  </p:par>
+                  <p:par>
+                    <p:cTn id="57" fill="hold">
+                      <p:stCondLst>
+                        <p:cond delay="indefinite"/>
+                      </p:stCondLst>
+                      <p:childTnLst>
+                        <p:par>
+                          <p:cTn id="58" fill="hold">
+                            <p:stCondLst>
+                              <p:cond delay="0"/>
+                            </p:stCondLst>
+                            <p:childTnLst>
                               <p:par>
-                                <p:cTn id="57" presetID="1" presetClass="entr" presetSubtype="0" fill="hold" grpId="0" nodeType="withEffect">
+                                <p:cTn id="59" presetID="1" presetClass="entr" presetSubtype="0" fill="hold" grpId="0" nodeType="clickEffect">
                                   <p:stCondLst>
                                     <p:cond delay="0"/>
                                   </p:stCondLst>
                                   <p:childTnLst>
                                     <p:set>
                                       <p:cBhvr>
-                                        <p:cTn id="58" dur="1" fill="hold">
+                                        <p:cTn id="60" dur="1" fill="hold">
                                           <p:stCondLst>
                                             <p:cond delay="0"/>
                                           </p:stCondLst>
                                         </p:cTn>
                                         <p:tgtEl>
-                                          <p:spTgt spid="51"/>
+                                          <p:spTgt spid="30"/>
                                         </p:tgtEl>
                                         <p:attrNameLst>
                                           <p:attrName>style.visibility</p:attrName>
@@ -6237,34 +6271,7 @@
                                 </p:cTn>
                               </p:par>
                               <p:par>
-                                <p:cTn id="59" presetID="1" presetClass="exit" presetSubtype="0" fill="hold" grpId="1" nodeType="withEffect">
-                                  <p:stCondLst>
-                                    <p:cond delay="0"/>
-                                  </p:stCondLst>
-                                  <p:childTnLst>
-                                    <p:set>
-                                      <p:cBhvr>
-                                        <p:cTn id="60" dur="1" fill="hold">
-                                          <p:stCondLst>
-                                            <p:cond delay="0"/>
-                                          </p:stCondLst>
-                                        </p:cTn>
-                                        <p:tgtEl>
-                                          <p:spTgt spid="51"/>
-                                        </p:tgtEl>
-                                        <p:attrNameLst>
-                                          <p:attrName>style.visibility</p:attrName>
-                                        </p:attrNameLst>
-                                      </p:cBhvr>
-                                      <p:to>
-                                        <p:strVal val="hidden"/>
-                                      </p:to>
-                                    </p:set>
-                                  </p:childTnLst>
-                                </p:cTn>
-                              </p:par>
-                              <p:par>
-                                <p:cTn id="61" presetID="1" presetClass="exit" presetSubtype="0" fill="hold" grpId="0" nodeType="withEffect">
+                                <p:cTn id="61" presetID="1" presetClass="exit" presetSubtype="0" fill="hold" grpId="1" nodeType="withEffect">
                                   <p:stCondLst>
                                     <p:cond delay="0"/>
                                   </p:stCondLst>
@@ -6277,7 +6284,7 @@
                                           </p:stCondLst>
                                         </p:cTn>
                                         <p:tgtEl>
-                                          <p:spTgt spid="52"/>
+                                          <p:spTgt spid="30"/>
                                         </p:tgtEl>
                                         <p:attrNameLst>
                                           <p:attrName>style.visibility</p:attrName>
@@ -6322,7 +6329,7 @@
                                           </p:stCondLst>
                                         </p:cTn>
                                         <p:tgtEl>
-                                          <p:spTgt spid="30"/>
+                                          <p:spTgt spid="31"/>
                                         </p:tgtEl>
                                         <p:attrNameLst>
                                           <p:attrName>style.visibility</p:attrName>
@@ -6344,78 +6351,6 @@
                                     <p:set>
                                       <p:cBhvr>
                                         <p:cTn id="68" dur="1" fill="hold">
-                                          <p:stCondLst>
-                                            <p:cond delay="0"/>
-                                          </p:stCondLst>
-                                        </p:cTn>
-                                        <p:tgtEl>
-                                          <p:spTgt spid="30"/>
-                                        </p:tgtEl>
-                                        <p:attrNameLst>
-                                          <p:attrName>style.visibility</p:attrName>
-                                        </p:attrNameLst>
-                                      </p:cBhvr>
-                                      <p:to>
-                                        <p:strVal val="hidden"/>
-                                      </p:to>
-                                    </p:set>
-                                  </p:childTnLst>
-                                </p:cTn>
-                              </p:par>
-                            </p:childTnLst>
-                          </p:cTn>
-                        </p:par>
-                      </p:childTnLst>
-                    </p:cTn>
-                  </p:par>
-                  <p:par>
-                    <p:cTn id="69" fill="hold">
-                      <p:stCondLst>
-                        <p:cond delay="indefinite"/>
-                      </p:stCondLst>
-                      <p:childTnLst>
-                        <p:par>
-                          <p:cTn id="70" fill="hold">
-                            <p:stCondLst>
-                              <p:cond delay="0"/>
-                            </p:stCondLst>
-                            <p:childTnLst>
-                              <p:par>
-                                <p:cTn id="71" presetID="1" presetClass="entr" presetSubtype="0" fill="hold" grpId="0" nodeType="clickEffect">
-                                  <p:stCondLst>
-                                    <p:cond delay="0"/>
-                                  </p:stCondLst>
-                                  <p:childTnLst>
-                                    <p:set>
-                                      <p:cBhvr>
-                                        <p:cTn id="72" dur="1" fill="hold">
-                                          <p:stCondLst>
-                                            <p:cond delay="0"/>
-                                          </p:stCondLst>
-                                        </p:cTn>
-                                        <p:tgtEl>
-                                          <p:spTgt spid="31"/>
-                                        </p:tgtEl>
-                                        <p:attrNameLst>
-                                          <p:attrName>style.visibility</p:attrName>
-                                        </p:attrNameLst>
-                                      </p:cBhvr>
-                                      <p:to>
-                                        <p:strVal val="visible"/>
-                                      </p:to>
-                                    </p:set>
-                                  </p:childTnLst>
-                                </p:cTn>
-                              </p:par>
-                              <p:par>
-                                <p:cTn id="73" presetID="1" presetClass="exit" presetSubtype="0" fill="hold" grpId="1" nodeType="withEffect">
-                                  <p:stCondLst>
-                                    <p:cond delay="0"/>
-                                  </p:stCondLst>
-                                  <p:childTnLst>
-                                    <p:set>
-                                      <p:cBhvr>
-                                        <p:cTn id="74" dur="1" fill="hold">
                                           <p:stCondLst>
                                             <p:cond delay="0"/>
                                           </p:stCondLst>
@@ -6463,7 +6398,6 @@
     </p:tnLst>
     <p:bldLst>
       <p:bldP spid="5" grpId="0" animBg="1"/>
-      <p:bldP spid="6" grpId="0" animBg="1"/>
       <p:bldP spid="18" grpId="0" animBg="1"/>
       <p:bldP spid="19" grpId="0" animBg="1"/>
       <p:bldP spid="20" grpId="0" animBg="1"/>
@@ -6477,8 +6411,6 @@
       <p:bldP spid="33" grpId="0" animBg="1"/>
       <p:bldP spid="34" grpId="0" animBg="1"/>
       <p:bldP spid="38" grpId="0"/>
-      <p:bldP spid="42" grpId="0" animBg="1"/>
-      <p:bldP spid="43" grpId="0" animBg="1"/>
       <p:bldP spid="45" grpId="0" animBg="1"/>
       <p:bldP spid="45" grpId="1" animBg="1"/>
       <p:bldP spid="46" grpId="0" animBg="1"/>

--- a/docs/slides/ResetBudget.pptx
+++ b/docs/slides/ResetBudget.pptx
@@ -533,7 +533,7 @@
           <a:p>
             <a:fld id="{9629A0FB-7277-41B0-BEC2-EE35F8B0CE39}" type="datetimeFigureOut">
               <a:rPr lang="en-SG" smtClean="0"/>
-              <a:t>5/4/2020</a:t>
+              <a:t>9/4/2020</a:t>
             </a:fld>
             <a:endParaRPr lang="en-SG"/>
           </a:p>
@@ -5328,15 +5328,14 @@
           <a:p>
             <a:pPr algn="ctr"/>
             <a:r>
-              <a:rPr lang="en-SG" sz="1300" dirty="0">
-                <a:latin typeface="Calibri"/>
+              <a:rPr lang="en-SG" sz="1500" dirty="0">
                 <a:ea typeface="Calibri"/>
                 <a:cs typeface="Calibri"/>
                 <a:sym typeface="Calibri"/>
               </a:rPr>
               <a:t>:Duke</a:t>
             </a:r>
-            <a:endParaRPr sz="1300" dirty="0"/>
+            <a:endParaRPr sz="1500" dirty="0"/>
           </a:p>
         </p:txBody>
       </p:sp>
@@ -5409,24 +5408,23 @@
           <a:p>
             <a:pPr algn="ctr"/>
             <a:r>
-              <a:rPr lang="en" sz="1300" dirty="0">
-                <a:latin typeface="Calibri"/>
+              <a:rPr lang="en" sz="1500" dirty="0">
                 <a:ea typeface="Calibri"/>
                 <a:cs typeface="Calibri"/>
                 <a:sym typeface="Calibri"/>
               </a:rPr>
               <a:t>:Parser</a:t>
             </a:r>
-            <a:endParaRPr sz="1300" dirty="0"/>
-          </a:p>
-        </p:txBody>
-      </p:sp>
-      <p:sp>
-        <p:nvSpPr>
-          <p:cNvPr id="35" name="Google Shape;64;p14">
+            <a:endParaRPr sz="1500" dirty="0"/>
+          </a:p>
+        </p:txBody>
+      </p:sp>
+      <p:sp>
+        <p:nvSpPr>
+          <p:cNvPr id="36" name="Google Shape;64;p14">
             <a:extLst>
               <a:ext uri="{FF2B5EF4-FFF2-40B4-BE49-F238E27FC236}">
-                <a16:creationId xmlns:a16="http://schemas.microsoft.com/office/drawing/2014/main" id="{89F3F59D-4CCF-4886-A71E-D38860F731FF}"/>
+                <a16:creationId xmlns:a16="http://schemas.microsoft.com/office/drawing/2014/main" id="{01A331AF-FAD9-4D4D-BA44-37A941805542}"/>
               </a:ext>
             </a:extLst>
           </p:cNvPr>
@@ -5435,8 +5433,8 @@
         </p:nvSpPr>
         <p:spPr>
           <a:xfrm>
-            <a:off x="7333694" y="3085759"/>
-            <a:ext cx="1637188" cy="600164"/>
+            <a:off x="7271528" y="3176121"/>
+            <a:ext cx="1667225" cy="600162"/>
           </a:xfrm>
           <a:prstGeom prst="rect">
             <a:avLst/>
@@ -5488,26 +5486,32 @@
           </a:bodyPr>
           <a:lstStyle/>
           <a:p>
-            <a:pPr algn="ctr" defTabSz="872733">
-              <a:spcBef>
-                <a:spcPct val="50000"/>
-              </a:spcBef>
-              <a:buFont typeface="Wingdings" pitchFamily="2" charset="2"/>
-              <a:buNone/>
-            </a:pPr>
-            <a:r>
-              <a:rPr lang="en-US" sz="1400" dirty="0" err="1">
+            <a:pPr algn="ctr"/>
+            <a:endParaRPr lang="en-US" sz="1500" dirty="0">
+              <a:solidFill>
+                <a:prstClr val="black"/>
+              </a:solidFill>
+            </a:endParaRPr>
+          </a:p>
+          <a:p>
+            <a:pPr algn="ctr"/>
+            <a:r>
+              <a:rPr lang="en-US" sz="1500" dirty="0" err="1">
                 <a:solidFill>
                   <a:prstClr val="black"/>
                 </a:solidFill>
               </a:rPr>
               <a:t>myBudget:Budget</a:t>
             </a:r>
-            <a:endParaRPr lang="en-US" sz="1400" dirty="0">
+            <a:endParaRPr lang="en-US" sz="1500" dirty="0">
               <a:solidFill>
                 <a:prstClr val="black"/>
               </a:solidFill>
             </a:endParaRPr>
+          </a:p>
+          <a:p>
+            <a:pPr algn="ctr"/>
+            <a:endParaRPr sz="1500" dirty="0"/>
           </a:p>
         </p:txBody>
       </p:sp>
